--- a/ETL/ETL-Article.pptx
+++ b/ETL/ETL-Article.pptx
@@ -5,15 +5,16 @@
     <p:sldMasterId id="2147483712" r:id="rId1"/>
   </p:sldMasterIdLst>
   <p:notesMasterIdLst>
-    <p:notesMasterId r:id="rId5"/>
+    <p:notesMasterId r:id="rId6"/>
   </p:notesMasterIdLst>
   <p:handoutMasterIdLst>
-    <p:handoutMasterId r:id="rId6"/>
+    <p:handoutMasterId r:id="rId7"/>
   </p:handoutMasterIdLst>
   <p:sldIdLst>
     <p:sldId id="257" r:id="rId2"/>
     <p:sldId id="259" r:id="rId3"/>
-    <p:sldId id="258" r:id="rId4"/>
+    <p:sldId id="260" r:id="rId4"/>
+    <p:sldId id="258" r:id="rId5"/>
   </p:sldIdLst>
   <p:sldSz cx="12192000" cy="6858000"/>
   <p:notesSz cx="6858000" cy="9144000"/>
@@ -9559,6 +9560,730 @@
 <file path=ppt/slides/slide3.xml><?xml version="1.0" encoding="utf-8"?>
 <p:sld xmlns:a="http://schemas.openxmlformats.org/drawingml/2006/main" xmlns:r="http://schemas.openxmlformats.org/officeDocument/2006/relationships" xmlns:p="http://schemas.openxmlformats.org/presentationml/2006/main">
   <p:cSld>
+    <p:bg>
+      <p:bgPr>
+        <a:solidFill>
+          <a:schemeClr val="bg1"/>
+        </a:solidFill>
+        <a:effectLst/>
+      </p:bgPr>
+    </p:bg>
+    <p:spTree>
+      <p:nvGrpSpPr>
+        <p:cNvPr id="1" name=""/>
+        <p:cNvGrpSpPr/>
+        <p:nvPr/>
+      </p:nvGrpSpPr>
+      <p:grpSpPr>
+        <a:xfrm>
+          <a:off x="0" y="0"/>
+          <a:ext cx="0" cy="0"/>
+          <a:chOff x="0" y="0"/>
+          <a:chExt cx="0" cy="0"/>
+        </a:xfrm>
+      </p:grpSpPr>
+      <p:sp useBgFill="1">
+        <p:nvSpPr>
+          <p:cNvPr id="18" name="Retângulo 17">
+            <a:extLst>
+              <a:ext uri="{FF2B5EF4-FFF2-40B4-BE49-F238E27FC236}">
+                <a16:creationId xmlns:a16="http://schemas.microsoft.com/office/drawing/2014/main" id="{D6D7A0BC-0046-4CAA-8E7F-DCAFE511EA0E}"/>
+              </a:ext>
+              <a:ext uri="{C183D7F6-B498-43B3-948B-1728B52AA6E4}">
+                <adec:decorative xmlns:adec="http://schemas.microsoft.com/office/drawing/2017/decorative" val="1"/>
+              </a:ext>
+            </a:extLst>
+          </p:cNvPr>
+          <p:cNvSpPr>
+            <a:spLocks noGrp="1" noRot="1" noChangeAspect="1" noMove="1" noResize="1" noEditPoints="1" noAdjustHandles="1" noChangeArrowheads="1" noChangeShapeType="1" noTextEdit="1"/>
+          </p:cNvSpPr>
+          <p:nvPr>
+            <p:extLst>
+              <p:ext uri="{386F3935-93C4-4BCD-93E2-E3B085C9AB24}">
+                <p16:designElem xmlns:p16="http://schemas.microsoft.com/office/powerpoint/2015/main" val="1"/>
+              </p:ext>
+            </p:extLst>
+          </p:nvPr>
+        </p:nvSpPr>
+        <p:spPr>
+          <a:xfrm>
+            <a:off x="0" y="0"/>
+            <a:ext cx="12192000" cy="6858000"/>
+          </a:xfrm>
+          <a:prstGeom prst="rect">
+            <a:avLst/>
+          </a:prstGeom>
+          <a:ln>
+            <a:noFill/>
+          </a:ln>
+        </p:spPr>
+        <p:style>
+          <a:lnRef idx="2">
+            <a:schemeClr val="accent1">
+              <a:shade val="50000"/>
+            </a:schemeClr>
+          </a:lnRef>
+          <a:fillRef idx="1">
+            <a:schemeClr val="accent1"/>
+          </a:fillRef>
+          <a:effectRef idx="0">
+            <a:schemeClr val="accent1"/>
+          </a:effectRef>
+          <a:fontRef idx="minor">
+            <a:schemeClr val="lt1"/>
+          </a:fontRef>
+        </p:style>
+        <p:txBody>
+          <a:bodyPr rtlCol="0" anchor="ctr"/>
+          <a:lstStyle/>
+          <a:p>
+            <a:pPr algn="ctr" rtl="0"/>
+            <a:endParaRPr lang="en-US"/>
+          </a:p>
+        </p:txBody>
+      </p:sp>
+      <p:sp>
+        <p:nvSpPr>
+          <p:cNvPr id="20" name="Retângulo 19">
+            <a:extLst>
+              <a:ext uri="{FF2B5EF4-FFF2-40B4-BE49-F238E27FC236}">
+                <a16:creationId xmlns:a16="http://schemas.microsoft.com/office/drawing/2014/main" id="{E7C6334F-6411-41EC-AD7D-179EDD8B58CB}"/>
+              </a:ext>
+              <a:ext uri="{C183D7F6-B498-43B3-948B-1728B52AA6E4}">
+                <adec:decorative xmlns:adec="http://schemas.microsoft.com/office/drawing/2017/decorative" val="1"/>
+              </a:ext>
+            </a:extLst>
+          </p:cNvPr>
+          <p:cNvSpPr>
+            <a:spLocks noGrp="1" noRot="1" noChangeAspect="1" noMove="1" noResize="1" noEditPoints="1" noAdjustHandles="1" noChangeArrowheads="1" noChangeShapeType="1" noTextEdit="1"/>
+          </p:cNvSpPr>
+          <p:nvPr>
+            <p:extLst>
+              <p:ext uri="{386F3935-93C4-4BCD-93E2-E3B085C9AB24}">
+                <p16:designElem xmlns:p16="http://schemas.microsoft.com/office/powerpoint/2015/main" val="1"/>
+              </p:ext>
+            </p:extLst>
+          </p:nvPr>
+        </p:nvSpPr>
+        <p:spPr>
+          <a:xfrm>
+            <a:off x="446534" y="457200"/>
+            <a:ext cx="3703320" cy="94997"/>
+          </a:xfrm>
+          <a:prstGeom prst="rect">
+            <a:avLst/>
+          </a:prstGeom>
+          <a:solidFill>
+            <a:srgbClr val="465359"/>
+          </a:solidFill>
+          <a:ln>
+            <a:noFill/>
+          </a:ln>
+          <a:effectLst/>
+        </p:spPr>
+        <p:style>
+          <a:lnRef idx="1">
+            <a:schemeClr val="accent1"/>
+          </a:lnRef>
+          <a:fillRef idx="3">
+            <a:schemeClr val="accent1"/>
+          </a:fillRef>
+          <a:effectRef idx="2">
+            <a:schemeClr val="accent1"/>
+          </a:effectRef>
+          <a:fontRef idx="minor">
+            <a:schemeClr val="lt1"/>
+          </a:fontRef>
+        </p:style>
+      </p:sp>
+      <p:sp>
+        <p:nvSpPr>
+          <p:cNvPr id="22" name="Retângulo 21">
+            <a:extLst>
+              <a:ext uri="{FF2B5EF4-FFF2-40B4-BE49-F238E27FC236}">
+                <a16:creationId xmlns:a16="http://schemas.microsoft.com/office/drawing/2014/main" id="{E6B02CEE-3AF8-4349-9B3E-8970E6DF62B3}"/>
+              </a:ext>
+              <a:ext uri="{C183D7F6-B498-43B3-948B-1728B52AA6E4}">
+                <adec:decorative xmlns:adec="http://schemas.microsoft.com/office/drawing/2017/decorative" val="1"/>
+              </a:ext>
+            </a:extLst>
+          </p:cNvPr>
+          <p:cNvSpPr>
+            <a:spLocks noGrp="1" noRot="1" noChangeAspect="1" noMove="1" noResize="1" noEditPoints="1" noAdjustHandles="1" noChangeArrowheads="1" noChangeShapeType="1" noTextEdit="1"/>
+          </p:cNvSpPr>
+          <p:nvPr>
+            <p:extLst>
+              <p:ext uri="{386F3935-93C4-4BCD-93E2-E3B085C9AB24}">
+                <p16:designElem xmlns:p16="http://schemas.microsoft.com/office/powerpoint/2015/main" val="1"/>
+              </p:ext>
+            </p:extLst>
+          </p:nvPr>
+        </p:nvSpPr>
+        <p:spPr>
+          <a:xfrm>
+            <a:off x="4241830" y="457200"/>
+            <a:ext cx="3703320" cy="91440"/>
+          </a:xfrm>
+          <a:prstGeom prst="rect">
+            <a:avLst/>
+          </a:prstGeom>
+          <a:solidFill>
+            <a:schemeClr val="accent1"/>
+          </a:solidFill>
+          <a:ln>
+            <a:noFill/>
+          </a:ln>
+          <a:effectLst/>
+        </p:spPr>
+        <p:style>
+          <a:lnRef idx="1">
+            <a:schemeClr val="accent1"/>
+          </a:lnRef>
+          <a:fillRef idx="3">
+            <a:schemeClr val="accent1"/>
+          </a:fillRef>
+          <a:effectRef idx="2">
+            <a:schemeClr val="accent1"/>
+          </a:effectRef>
+          <a:fontRef idx="minor">
+            <a:schemeClr val="lt1"/>
+          </a:fontRef>
+        </p:style>
+      </p:sp>
+      <p:sp>
+        <p:nvSpPr>
+          <p:cNvPr id="24" name="Retângulo 23">
+            <a:extLst>
+              <a:ext uri="{FF2B5EF4-FFF2-40B4-BE49-F238E27FC236}">
+                <a16:creationId xmlns:a16="http://schemas.microsoft.com/office/drawing/2014/main" id="{AAA01CF0-3FB5-44EB-B7DE-F2E86374C2FB}"/>
+              </a:ext>
+              <a:ext uri="{C183D7F6-B498-43B3-948B-1728B52AA6E4}">
+                <adec:decorative xmlns:adec="http://schemas.microsoft.com/office/drawing/2017/decorative" val="1"/>
+              </a:ext>
+            </a:extLst>
+          </p:cNvPr>
+          <p:cNvSpPr>
+            <a:spLocks noGrp="1" noRot="1" noChangeAspect="1" noMove="1" noResize="1" noEditPoints="1" noAdjustHandles="1" noChangeArrowheads="1" noChangeShapeType="1" noTextEdit="1"/>
+          </p:cNvSpPr>
+          <p:nvPr>
+            <p:extLst>
+              <p:ext uri="{386F3935-93C4-4BCD-93E2-E3B085C9AB24}">
+                <p16:designElem xmlns:p16="http://schemas.microsoft.com/office/powerpoint/2015/main" val="1"/>
+              </p:ext>
+            </p:extLst>
+          </p:nvPr>
+        </p:nvSpPr>
+        <p:spPr>
+          <a:xfrm>
+            <a:off x="8042147" y="453643"/>
+            <a:ext cx="3703320" cy="98554"/>
+          </a:xfrm>
+          <a:prstGeom prst="rect">
+            <a:avLst/>
+          </a:prstGeom>
+          <a:solidFill>
+            <a:srgbClr val="969FA7"/>
+          </a:solidFill>
+          <a:ln>
+            <a:noFill/>
+          </a:ln>
+          <a:effectLst/>
+        </p:spPr>
+        <p:style>
+          <a:lnRef idx="1">
+            <a:schemeClr val="accent1"/>
+          </a:lnRef>
+          <a:fillRef idx="3">
+            <a:schemeClr val="accent1"/>
+          </a:fillRef>
+          <a:effectRef idx="2">
+            <a:schemeClr val="accent1"/>
+          </a:effectRef>
+          <a:fontRef idx="minor">
+            <a:schemeClr val="lt1"/>
+          </a:fontRef>
+        </p:style>
+      </p:sp>
+      <p:pic>
+        <p:nvPicPr>
+          <p:cNvPr id="6" name="Imagem 5" descr="Imagem ampliada de um logotipo&#10;&#10;Descrição gerada automaticamente">
+            <a:extLst>
+              <a:ext uri="{FF2B5EF4-FFF2-40B4-BE49-F238E27FC236}">
+                <a16:creationId xmlns:a16="http://schemas.microsoft.com/office/drawing/2014/main" id="{F1A8C364-94D4-4630-BAD0-78722F347055}"/>
+              </a:ext>
+            </a:extLst>
+          </p:cNvPr>
+          <p:cNvPicPr>
+            <a:picLocks noChangeAspect="1"/>
+          </p:cNvPicPr>
+          <p:nvPr/>
+        </p:nvPicPr>
+        <p:blipFill rotWithShape="1">
+          <a:blip r:embed="rId2" cstate="hqprint">
+            <a:extLst>
+              <a:ext uri="{28A0092B-C50C-407E-A947-70E740481C1C}">
+                <a14:useLocalDpi xmlns:a14="http://schemas.microsoft.com/office/drawing/2010/main" val="0"/>
+              </a:ext>
+            </a:extLst>
+          </a:blip>
+          <a:srcRect/>
+          <a:stretch/>
+        </p:blipFill>
+        <p:spPr>
+          <a:xfrm>
+            <a:off x="448733" y="3081867"/>
+            <a:ext cx="11260667" cy="3310466"/>
+          </a:xfrm>
+          <a:prstGeom prst="rect">
+            <a:avLst/>
+          </a:prstGeom>
+        </p:spPr>
+      </p:pic>
+      <p:sp>
+        <p:nvSpPr>
+          <p:cNvPr id="15" name="Retângulo 14">
+            <a:extLst>
+              <a:ext uri="{FF2B5EF4-FFF2-40B4-BE49-F238E27FC236}">
+                <a16:creationId xmlns:a16="http://schemas.microsoft.com/office/drawing/2014/main" id="{B3B7E86A-9424-4DDE-9A75-058E4FA902DE}"/>
+              </a:ext>
+            </a:extLst>
+          </p:cNvPr>
+          <p:cNvSpPr/>
+          <p:nvPr/>
+        </p:nvSpPr>
+        <p:spPr>
+          <a:xfrm>
+            <a:off x="448111" y="378125"/>
+            <a:ext cx="3698299" cy="360608"/>
+          </a:xfrm>
+          <a:prstGeom prst="rect">
+            <a:avLst/>
+          </a:prstGeom>
+          <a:solidFill>
+            <a:srgbClr val="E42C22"/>
+          </a:solidFill>
+          <a:ln>
+            <a:noFill/>
+          </a:ln>
+        </p:spPr>
+        <p:style>
+          <a:lnRef idx="2">
+            <a:schemeClr val="accent1">
+              <a:shade val="50000"/>
+            </a:schemeClr>
+          </a:lnRef>
+          <a:fillRef idx="1">
+            <a:schemeClr val="accent1"/>
+          </a:fillRef>
+          <a:effectRef idx="0">
+            <a:schemeClr val="accent1"/>
+          </a:effectRef>
+          <a:fontRef idx="minor">
+            <a:schemeClr val="lt1"/>
+          </a:fontRef>
+        </p:style>
+        <p:txBody>
+          <a:bodyPr rtlCol="0" anchor="ctr"/>
+          <a:lstStyle/>
+          <a:p>
+            <a:pPr algn="ctr"/>
+            <a:endParaRPr lang="pt-BR"/>
+          </a:p>
+        </p:txBody>
+      </p:sp>
+      <p:sp>
+        <p:nvSpPr>
+          <p:cNvPr id="21" name="Retângulo 20">
+            <a:extLst>
+              <a:ext uri="{FF2B5EF4-FFF2-40B4-BE49-F238E27FC236}">
+                <a16:creationId xmlns:a16="http://schemas.microsoft.com/office/drawing/2014/main" id="{B71C73D9-815F-4106-903F-BC0245A1EBE9}"/>
+              </a:ext>
+            </a:extLst>
+          </p:cNvPr>
+          <p:cNvSpPr/>
+          <p:nvPr/>
+        </p:nvSpPr>
+        <p:spPr>
+          <a:xfrm>
+            <a:off x="4244340" y="368336"/>
+            <a:ext cx="3698299" cy="360608"/>
+          </a:xfrm>
+          <a:prstGeom prst="rect">
+            <a:avLst/>
+          </a:prstGeom>
+          <a:solidFill>
+            <a:srgbClr val="0073E6"/>
+          </a:solidFill>
+          <a:ln>
+            <a:noFill/>
+          </a:ln>
+        </p:spPr>
+        <p:style>
+          <a:lnRef idx="2">
+            <a:schemeClr val="accent1">
+              <a:shade val="50000"/>
+            </a:schemeClr>
+          </a:lnRef>
+          <a:fillRef idx="1">
+            <a:schemeClr val="accent1"/>
+          </a:fillRef>
+          <a:effectRef idx="0">
+            <a:schemeClr val="accent1"/>
+          </a:effectRef>
+          <a:fontRef idx="minor">
+            <a:schemeClr val="lt1"/>
+          </a:fontRef>
+        </p:style>
+        <p:txBody>
+          <a:bodyPr rtlCol="0" anchor="ctr"/>
+          <a:lstStyle/>
+          <a:p>
+            <a:pPr algn="ctr"/>
+            <a:endParaRPr lang="pt-BR"/>
+          </a:p>
+        </p:txBody>
+      </p:sp>
+      <p:sp>
+        <p:nvSpPr>
+          <p:cNvPr id="23" name="Retângulo 22">
+            <a:extLst>
+              <a:ext uri="{FF2B5EF4-FFF2-40B4-BE49-F238E27FC236}">
+                <a16:creationId xmlns:a16="http://schemas.microsoft.com/office/drawing/2014/main" id="{079B04A3-3B4F-4F7D-A2F7-F7681FBFB751}"/>
+              </a:ext>
+            </a:extLst>
+          </p:cNvPr>
+          <p:cNvSpPr/>
+          <p:nvPr/>
+        </p:nvSpPr>
+        <p:spPr>
+          <a:xfrm>
+            <a:off x="8037125" y="368336"/>
+            <a:ext cx="3698299" cy="360608"/>
+          </a:xfrm>
+          <a:prstGeom prst="rect">
+            <a:avLst/>
+          </a:prstGeom>
+          <a:solidFill>
+            <a:srgbClr val="00A443"/>
+          </a:solidFill>
+          <a:ln>
+            <a:noFill/>
+          </a:ln>
+        </p:spPr>
+        <p:style>
+          <a:lnRef idx="2">
+            <a:schemeClr val="accent1">
+              <a:shade val="50000"/>
+            </a:schemeClr>
+          </a:lnRef>
+          <a:fillRef idx="1">
+            <a:schemeClr val="accent1"/>
+          </a:fillRef>
+          <a:effectRef idx="0">
+            <a:schemeClr val="accent1"/>
+          </a:effectRef>
+          <a:fontRef idx="minor">
+            <a:schemeClr val="lt1"/>
+          </a:fontRef>
+        </p:style>
+        <p:txBody>
+          <a:bodyPr rtlCol="0" anchor="ctr"/>
+          <a:lstStyle/>
+          <a:p>
+            <a:pPr algn="ctr"/>
+            <a:endParaRPr lang="pt-BR"/>
+          </a:p>
+        </p:txBody>
+      </p:sp>
+      <p:sp>
+        <p:nvSpPr>
+          <p:cNvPr id="19" name="Elipse 18">
+            <a:extLst>
+              <a:ext uri="{FF2B5EF4-FFF2-40B4-BE49-F238E27FC236}">
+                <a16:creationId xmlns:a16="http://schemas.microsoft.com/office/drawing/2014/main" id="{14A4E8F9-5980-4E33-8CE5-4EDE4DE1EFA1}"/>
+              </a:ext>
+            </a:extLst>
+          </p:cNvPr>
+          <p:cNvSpPr/>
+          <p:nvPr/>
+        </p:nvSpPr>
+        <p:spPr>
+          <a:xfrm>
+            <a:off x="1418502" y="1326524"/>
+            <a:ext cx="1346111" cy="1289676"/>
+          </a:xfrm>
+          <a:prstGeom prst="ellipse">
+            <a:avLst/>
+          </a:prstGeom>
+          <a:solidFill>
+            <a:srgbClr val="E42C22"/>
+          </a:solidFill>
+          <a:ln>
+            <a:noFill/>
+          </a:ln>
+        </p:spPr>
+        <p:style>
+          <a:lnRef idx="2">
+            <a:schemeClr val="accent1">
+              <a:shade val="50000"/>
+            </a:schemeClr>
+          </a:lnRef>
+          <a:fillRef idx="1">
+            <a:schemeClr val="accent1"/>
+          </a:fillRef>
+          <a:effectRef idx="0">
+            <a:schemeClr val="accent1"/>
+          </a:effectRef>
+          <a:fontRef idx="minor">
+            <a:schemeClr val="lt1"/>
+          </a:fontRef>
+        </p:style>
+        <p:txBody>
+          <a:bodyPr rtlCol="0" anchor="ctr"/>
+          <a:lstStyle/>
+          <a:p>
+            <a:pPr algn="ctr"/>
+            <a:endParaRPr lang="pt-BR"/>
+          </a:p>
+        </p:txBody>
+      </p:sp>
+      <p:sp>
+        <p:nvSpPr>
+          <p:cNvPr id="28" name="Elipse 27">
+            <a:extLst>
+              <a:ext uri="{FF2B5EF4-FFF2-40B4-BE49-F238E27FC236}">
+                <a16:creationId xmlns:a16="http://schemas.microsoft.com/office/drawing/2014/main" id="{E7584031-9DC9-40B1-99E8-8C471C02F317}"/>
+              </a:ext>
+            </a:extLst>
+          </p:cNvPr>
+          <p:cNvSpPr/>
+          <p:nvPr/>
+        </p:nvSpPr>
+        <p:spPr>
+          <a:xfrm>
+            <a:off x="5420433" y="1332117"/>
+            <a:ext cx="1346111" cy="1289676"/>
+          </a:xfrm>
+          <a:prstGeom prst="ellipse">
+            <a:avLst/>
+          </a:prstGeom>
+          <a:solidFill>
+            <a:srgbClr val="0073E6"/>
+          </a:solidFill>
+          <a:ln>
+            <a:noFill/>
+          </a:ln>
+        </p:spPr>
+        <p:style>
+          <a:lnRef idx="2">
+            <a:schemeClr val="accent1">
+              <a:shade val="50000"/>
+            </a:schemeClr>
+          </a:lnRef>
+          <a:fillRef idx="1">
+            <a:schemeClr val="accent1"/>
+          </a:fillRef>
+          <a:effectRef idx="0">
+            <a:schemeClr val="accent1"/>
+          </a:effectRef>
+          <a:fontRef idx="minor">
+            <a:schemeClr val="lt1"/>
+          </a:fontRef>
+        </p:style>
+        <p:txBody>
+          <a:bodyPr rtlCol="0" anchor="ctr"/>
+          <a:lstStyle/>
+          <a:p>
+            <a:pPr algn="ctr"/>
+            <a:endParaRPr lang="pt-BR"/>
+          </a:p>
+        </p:txBody>
+      </p:sp>
+      <p:pic>
+        <p:nvPicPr>
+          <p:cNvPr id="10" name="Gráfico 9" descr="Ligar com preenchimento sólido">
+            <a:extLst>
+              <a:ext uri="{FF2B5EF4-FFF2-40B4-BE49-F238E27FC236}">
+                <a16:creationId xmlns:a16="http://schemas.microsoft.com/office/drawing/2014/main" id="{047D70D3-C9E4-43D5-BB51-38F1BF48E8B0}"/>
+              </a:ext>
+            </a:extLst>
+          </p:cNvPr>
+          <p:cNvPicPr>
+            <a:picLocks noChangeAspect="1"/>
+          </p:cNvPicPr>
+          <p:nvPr/>
+        </p:nvPicPr>
+        <p:blipFill>
+          <a:blip r:embed="rId3">
+            <a:extLst>
+              <a:ext uri="{28A0092B-C50C-407E-A947-70E740481C1C}">
+                <a14:useLocalDpi xmlns:a14="http://schemas.microsoft.com/office/drawing/2010/main" val="0"/>
+              </a:ext>
+              <a:ext uri="{96DAC541-7B7A-43D3-8B79-37D633B846F1}">
+                <asvg:svgBlip xmlns:asvg="http://schemas.microsoft.com/office/drawing/2016/SVG/main" r:embed="rId4"/>
+              </a:ext>
+            </a:extLst>
+          </a:blip>
+          <a:stretch>
+            <a:fillRect/>
+          </a:stretch>
+        </p:blipFill>
+        <p:spPr>
+          <a:xfrm>
+            <a:off x="1634358" y="1498648"/>
+            <a:ext cx="914400" cy="914400"/>
+          </a:xfrm>
+          <a:prstGeom prst="rect">
+            <a:avLst/>
+          </a:prstGeom>
+        </p:spPr>
+      </p:pic>
+      <p:sp>
+        <p:nvSpPr>
+          <p:cNvPr id="29" name="Elipse 28">
+            <a:extLst>
+              <a:ext uri="{FF2B5EF4-FFF2-40B4-BE49-F238E27FC236}">
+                <a16:creationId xmlns:a16="http://schemas.microsoft.com/office/drawing/2014/main" id="{E78A5AEE-C72B-43B8-89EF-7FBBBB596125}"/>
+              </a:ext>
+            </a:extLst>
+          </p:cNvPr>
+          <p:cNvSpPr/>
+          <p:nvPr/>
+        </p:nvSpPr>
+        <p:spPr>
+          <a:xfrm>
+            <a:off x="9211531" y="1305465"/>
+            <a:ext cx="1346111" cy="1289676"/>
+          </a:xfrm>
+          <a:prstGeom prst="ellipse">
+            <a:avLst/>
+          </a:prstGeom>
+          <a:solidFill>
+            <a:srgbClr val="00A443"/>
+          </a:solidFill>
+          <a:ln>
+            <a:noFill/>
+          </a:ln>
+        </p:spPr>
+        <p:style>
+          <a:lnRef idx="2">
+            <a:schemeClr val="accent1">
+              <a:shade val="50000"/>
+            </a:schemeClr>
+          </a:lnRef>
+          <a:fillRef idx="1">
+            <a:schemeClr val="accent1"/>
+          </a:fillRef>
+          <a:effectRef idx="0">
+            <a:schemeClr val="accent1"/>
+          </a:effectRef>
+          <a:fontRef idx="minor">
+            <a:schemeClr val="lt1"/>
+          </a:fontRef>
+        </p:style>
+        <p:txBody>
+          <a:bodyPr rtlCol="0" anchor="ctr"/>
+          <a:lstStyle/>
+          <a:p>
+            <a:pPr algn="ctr"/>
+            <a:endParaRPr lang="pt-BR"/>
+          </a:p>
+        </p:txBody>
+      </p:sp>
+      <p:pic>
+        <p:nvPicPr>
+          <p:cNvPr id="17" name="Gráfico 16" descr="Calendário mensal com preenchimento sólido">
+            <a:extLst>
+              <a:ext uri="{FF2B5EF4-FFF2-40B4-BE49-F238E27FC236}">
+                <a16:creationId xmlns:a16="http://schemas.microsoft.com/office/drawing/2014/main" id="{E8FB80E1-3B7C-4685-AF1C-E080BC91D97C}"/>
+              </a:ext>
+            </a:extLst>
+          </p:cNvPr>
+          <p:cNvPicPr>
+            <a:picLocks noChangeAspect="1"/>
+          </p:cNvPicPr>
+          <p:nvPr/>
+        </p:nvPicPr>
+        <p:blipFill>
+          <a:blip r:embed="rId5">
+            <a:extLst>
+              <a:ext uri="{28A0092B-C50C-407E-A947-70E740481C1C}">
+                <a14:useLocalDpi xmlns:a14="http://schemas.microsoft.com/office/drawing/2010/main" val="0"/>
+              </a:ext>
+              <a:ext uri="{96DAC541-7B7A-43D3-8B79-37D633B846F1}">
+                <asvg:svgBlip xmlns:asvg="http://schemas.microsoft.com/office/drawing/2016/SVG/main" r:embed="rId6"/>
+              </a:ext>
+            </a:extLst>
+          </a:blip>
+          <a:stretch>
+            <a:fillRect/>
+          </a:stretch>
+        </p:blipFill>
+        <p:spPr>
+          <a:xfrm>
+            <a:off x="9429074" y="1498648"/>
+            <a:ext cx="914400" cy="914400"/>
+          </a:xfrm>
+          <a:prstGeom prst="rect">
+            <a:avLst/>
+          </a:prstGeom>
+        </p:spPr>
+      </p:pic>
+      <p:pic>
+        <p:nvPicPr>
+          <p:cNvPr id="14" name="Gráfico 13" descr="Processador com preenchimento sólido">
+            <a:extLst>
+              <a:ext uri="{FF2B5EF4-FFF2-40B4-BE49-F238E27FC236}">
+                <a16:creationId xmlns:a16="http://schemas.microsoft.com/office/drawing/2014/main" id="{90EB4E8A-E517-49F0-A215-2678CA8EE965}"/>
+              </a:ext>
+            </a:extLst>
+          </p:cNvPr>
+          <p:cNvPicPr>
+            <a:picLocks noChangeAspect="1"/>
+          </p:cNvPicPr>
+          <p:nvPr/>
+        </p:nvPicPr>
+        <p:blipFill>
+          <a:blip r:embed="rId7">
+            <a:extLst>
+              <a:ext uri="{28A0092B-C50C-407E-A947-70E740481C1C}">
+                <a14:useLocalDpi xmlns:a14="http://schemas.microsoft.com/office/drawing/2010/main" val="0"/>
+              </a:ext>
+              <a:ext uri="{96DAC541-7B7A-43D3-8B79-37D633B846F1}">
+                <asvg:svgBlip xmlns:asvg="http://schemas.microsoft.com/office/drawing/2016/SVG/main" r:embed="rId8"/>
+              </a:ext>
+            </a:extLst>
+          </a:blip>
+          <a:stretch>
+            <a:fillRect/>
+          </a:stretch>
+        </p:blipFill>
+        <p:spPr>
+          <a:xfrm>
+            <a:off x="5621866" y="1498648"/>
+            <a:ext cx="914400" cy="914400"/>
+          </a:xfrm>
+          <a:prstGeom prst="rect">
+            <a:avLst/>
+          </a:prstGeom>
+        </p:spPr>
+      </p:pic>
+    </p:spTree>
+    <p:extLst>
+      <p:ext uri="{BB962C8B-B14F-4D97-AF65-F5344CB8AC3E}">
+        <p14:creationId xmlns:p14="http://schemas.microsoft.com/office/powerpoint/2010/main" val="3474615015"/>
+      </p:ext>
+    </p:extLst>
+  </p:cSld>
+  <p:clrMapOvr>
+    <a:masterClrMapping/>
+  </p:clrMapOvr>
+</p:sld>
+</file>
+
+<file path=ppt/slides/slide4.xml><?xml version="1.0" encoding="utf-8"?>
+<p:sld xmlns:a="http://schemas.openxmlformats.org/drawingml/2006/main" xmlns:r="http://schemas.openxmlformats.org/officeDocument/2006/relationships" xmlns:p="http://schemas.openxmlformats.org/presentationml/2006/main">
+  <p:cSld>
     <p:spTree>
       <p:nvGrpSpPr>
         <p:cNvPr id="1" name=""/>
